--- a/Burndown & Velocity/Cycle 4/V4.9.1 [2022-04-02] Burndown Velocity Sprint 4-9.pptx
+++ b/Burndown & Velocity/Cycle 4/V4.9.1 [2022-04-02] Burndown Velocity Sprint 4-9.pptx
@@ -960,19 +960,19 @@
                   <c:v>412</c:v>
                 </c:pt>
                 <c:pt idx="5">
-                  <c:v>354</c:v>
+                  <c:v>356</c:v>
                 </c:pt>
                 <c:pt idx="6">
-                  <c:v>268</c:v>
+                  <c:v>270</c:v>
                 </c:pt>
                 <c:pt idx="7">
-                  <c:v>194</c:v>
+                  <c:v>196</c:v>
                 </c:pt>
                 <c:pt idx="8">
-                  <c:v>114</c:v>
+                  <c:v>116</c:v>
                 </c:pt>
                 <c:pt idx="9">
-                  <c:v>29</c:v>
+                  <c:v>31</c:v>
                 </c:pt>
               </c:numCache>
             </c:numRef>
@@ -3288,7 +3288,7 @@
           <a:p>
             <a:fld id="{12C3E8BB-F70B-41C7-A2C4-69BE80B44BDC}" type="datetimeFigureOut">
               <a:rPr lang="th-TH" smtClean="0"/>
-              <a:t>02/04/65</a:t>
+              <a:t>15/04/65</a:t>
             </a:fld>
             <a:endParaRPr lang="th-TH"/>
           </a:p>
@@ -3486,7 +3486,7 @@
           <a:p>
             <a:fld id="{12C3E8BB-F70B-41C7-A2C4-69BE80B44BDC}" type="datetimeFigureOut">
               <a:rPr lang="th-TH" smtClean="0"/>
-              <a:t>02/04/65</a:t>
+              <a:t>15/04/65</a:t>
             </a:fld>
             <a:endParaRPr lang="th-TH"/>
           </a:p>
@@ -3694,7 +3694,7 @@
           <a:p>
             <a:fld id="{12C3E8BB-F70B-41C7-A2C4-69BE80B44BDC}" type="datetimeFigureOut">
               <a:rPr lang="th-TH" smtClean="0"/>
-              <a:t>02/04/65</a:t>
+              <a:t>15/04/65</a:t>
             </a:fld>
             <a:endParaRPr lang="th-TH"/>
           </a:p>
@@ -3892,7 +3892,7 @@
           <a:p>
             <a:fld id="{12C3E8BB-F70B-41C7-A2C4-69BE80B44BDC}" type="datetimeFigureOut">
               <a:rPr lang="th-TH" smtClean="0"/>
-              <a:t>02/04/65</a:t>
+              <a:t>15/04/65</a:t>
             </a:fld>
             <a:endParaRPr lang="th-TH"/>
           </a:p>
@@ -4167,7 +4167,7 @@
           <a:p>
             <a:fld id="{12C3E8BB-F70B-41C7-A2C4-69BE80B44BDC}" type="datetimeFigureOut">
               <a:rPr lang="th-TH" smtClean="0"/>
-              <a:t>02/04/65</a:t>
+              <a:t>15/04/65</a:t>
             </a:fld>
             <a:endParaRPr lang="th-TH"/>
           </a:p>
@@ -4432,7 +4432,7 @@
           <a:p>
             <a:fld id="{12C3E8BB-F70B-41C7-A2C4-69BE80B44BDC}" type="datetimeFigureOut">
               <a:rPr lang="th-TH" smtClean="0"/>
-              <a:t>02/04/65</a:t>
+              <a:t>15/04/65</a:t>
             </a:fld>
             <a:endParaRPr lang="th-TH"/>
           </a:p>
@@ -4844,7 +4844,7 @@
           <a:p>
             <a:fld id="{12C3E8BB-F70B-41C7-A2C4-69BE80B44BDC}" type="datetimeFigureOut">
               <a:rPr lang="th-TH" smtClean="0"/>
-              <a:t>02/04/65</a:t>
+              <a:t>15/04/65</a:t>
             </a:fld>
             <a:endParaRPr lang="th-TH"/>
           </a:p>
@@ -4985,7 +4985,7 @@
           <a:p>
             <a:fld id="{12C3E8BB-F70B-41C7-A2C4-69BE80B44BDC}" type="datetimeFigureOut">
               <a:rPr lang="th-TH" smtClean="0"/>
-              <a:t>02/04/65</a:t>
+              <a:t>15/04/65</a:t>
             </a:fld>
             <a:endParaRPr lang="th-TH"/>
           </a:p>
@@ -5098,7 +5098,7 @@
           <a:p>
             <a:fld id="{12C3E8BB-F70B-41C7-A2C4-69BE80B44BDC}" type="datetimeFigureOut">
               <a:rPr lang="th-TH" smtClean="0"/>
-              <a:t>02/04/65</a:t>
+              <a:t>15/04/65</a:t>
             </a:fld>
             <a:endParaRPr lang="th-TH"/>
           </a:p>
@@ -5409,7 +5409,7 @@
           <a:p>
             <a:fld id="{12C3E8BB-F70B-41C7-A2C4-69BE80B44BDC}" type="datetimeFigureOut">
               <a:rPr lang="th-TH" smtClean="0"/>
-              <a:t>02/04/65</a:t>
+              <a:t>15/04/65</a:t>
             </a:fld>
             <a:endParaRPr lang="th-TH"/>
           </a:p>
@@ -5697,7 +5697,7 @@
           <a:p>
             <a:fld id="{12C3E8BB-F70B-41C7-A2C4-69BE80B44BDC}" type="datetimeFigureOut">
               <a:rPr lang="th-TH" smtClean="0"/>
-              <a:t>02/04/65</a:t>
+              <a:t>15/04/65</a:t>
             </a:fld>
             <a:endParaRPr lang="th-TH"/>
           </a:p>
@@ -5938,7 +5938,7 @@
           <a:p>
             <a:fld id="{12C3E8BB-F70B-41C7-A2C4-69BE80B44BDC}" type="datetimeFigureOut">
               <a:rPr lang="th-TH" smtClean="0"/>
-              <a:t>02/04/65</a:t>
+              <a:t>15/04/65</a:t>
             </a:fld>
             <a:endParaRPr lang="th-TH"/>
           </a:p>
@@ -6368,7 +6368,7 @@
           <p:nvPr>
             <p:extLst>
               <p:ext uri="{D42A27DB-BD31-4B8C-83A1-F6EECF244321}">
-                <p14:modId xmlns:p14="http://schemas.microsoft.com/office/powerpoint/2010/main" val="1731351642"/>
+                <p14:modId xmlns:p14="http://schemas.microsoft.com/office/powerpoint/2010/main" val="175137622"/>
               </p:ext>
             </p:extLst>
           </p:nvPr>
